--- a/doc/1차 중간발표_최종본.pptx
+++ b/doc/1차 중간발표_최종본.pptx
@@ -3242,7 +3242,7 @@
           <p:cNvPr id="17" name="그림 16">
             <a:extLst>
               <a:ext uri="{FF2B5EF4-FFF2-40B4-BE49-F238E27FC236}">
-                <a16:creationId xmlns="" xmlns:a16="http://schemas.microsoft.com/office/drawing/2014/main" id="{A3D9E798-6611-460B-A03B-CA0C8C50C77D}"/>
+                <a16:creationId xmlns:a16="http://schemas.microsoft.com/office/drawing/2014/main" xmlns="" id="{A3D9E798-6611-460B-A03B-CA0C8C50C77D}"/>
               </a:ext>
             </a:extLst>
           </p:cNvPr>
@@ -3255,7 +3255,7 @@
           <a:blip r:embed="rId5" cstate="print">
             <a:extLst>
               <a:ext uri="{28A0092B-C50C-407E-A947-70E740481C1C}">
-                <a14:useLocalDpi xmlns="" xmlns:a14="http://schemas.microsoft.com/office/drawing/2010/main" val="0"/>
+                <a14:useLocalDpi xmlns:a14="http://schemas.microsoft.com/office/drawing/2010/main" xmlns="" val="0"/>
               </a:ext>
             </a:extLst>
           </a:blip>
@@ -3731,7 +3731,7 @@
           <p:cNvPr id="17" name="그림 16">
             <a:extLst>
               <a:ext uri="{FF2B5EF4-FFF2-40B4-BE49-F238E27FC236}">
-                <a16:creationId xmlns="" xmlns:a16="http://schemas.microsoft.com/office/drawing/2014/main" id="{E9410AAC-9F92-4902-BC2F-EF9DB35B64F9}"/>
+                <a16:creationId xmlns:a16="http://schemas.microsoft.com/office/drawing/2014/main" xmlns="" id="{E9410AAC-9F92-4902-BC2F-EF9DB35B64F9}"/>
               </a:ext>
             </a:extLst>
           </p:cNvPr>
@@ -3744,7 +3744,7 @@
           <a:blip r:embed="rId5" cstate="print">
             <a:extLst>
               <a:ext uri="{28A0092B-C50C-407E-A947-70E740481C1C}">
-                <a14:useLocalDpi xmlns="" xmlns:a14="http://schemas.microsoft.com/office/drawing/2010/main" val="0"/>
+                <a14:useLocalDpi xmlns:a14="http://schemas.microsoft.com/office/drawing/2010/main" xmlns="" val="0"/>
               </a:ext>
             </a:extLst>
           </a:blip>
@@ -3767,7 +3767,7 @@
           <p:cNvPr id="18" name="사각형: 둥근 모서리 12">
             <a:extLst>
               <a:ext uri="{FF2B5EF4-FFF2-40B4-BE49-F238E27FC236}">
-                <a16:creationId xmlns="" xmlns:a16="http://schemas.microsoft.com/office/drawing/2014/main" id="{757FFF71-58AC-4E39-9C91-9C6498A3A17D}"/>
+                <a16:creationId xmlns:a16="http://schemas.microsoft.com/office/drawing/2014/main" xmlns="" id="{757FFF71-58AC-4E39-9C91-9C6498A3A17D}"/>
               </a:ext>
             </a:extLst>
           </p:cNvPr>
@@ -4281,7 +4281,7 @@
           <p:cNvPr id="19" name="그림 18">
             <a:extLst>
               <a:ext uri="{FF2B5EF4-FFF2-40B4-BE49-F238E27FC236}">
-                <a16:creationId xmlns="" xmlns:a16="http://schemas.microsoft.com/office/drawing/2014/main" id="{F96EF406-2176-4D21-8E7E-8D6D9B6ADD93}"/>
+                <a16:creationId xmlns:a16="http://schemas.microsoft.com/office/drawing/2014/main" xmlns="" id="{F96EF406-2176-4D21-8E7E-8D6D9B6ADD93}"/>
               </a:ext>
             </a:extLst>
           </p:cNvPr>
@@ -4294,7 +4294,7 @@
           <a:blip r:embed="rId5" cstate="print">
             <a:extLst>
               <a:ext uri="{28A0092B-C50C-407E-A947-70E740481C1C}">
-                <a14:useLocalDpi xmlns="" xmlns:a14="http://schemas.microsoft.com/office/drawing/2010/main" val="0"/>
+                <a14:useLocalDpi xmlns:a14="http://schemas.microsoft.com/office/drawing/2010/main" xmlns="" val="0"/>
               </a:ext>
             </a:extLst>
           </a:blip>
@@ -6159,16 +6159,7 @@
                 </a:solidFill>
                 <a:latin typeface="Franklin Gothic Medium" pitchFamily="34" charset="0"/>
               </a:rPr>
-              <a:t>3</a:t>
-            </a:r>
-            <a:r>
-              <a:rPr lang="en-US" altLang="ko-KR" sz="2000" dirty="0" smtClean="0">
-                <a:solidFill>
-                  <a:srgbClr val="87B429"/>
-                </a:solidFill>
-                <a:latin typeface="Franklin Gothic Medium" pitchFamily="34" charset="0"/>
-              </a:rPr>
-              <a:t>. </a:t>
+              <a:t>3. </a:t>
             </a:r>
             <a:r>
               <a:rPr lang="ko-KR" altLang="en-US" sz="2000" dirty="0" smtClean="0">
@@ -6214,7 +6205,7 @@
           <p:cNvPr id="18" name="TextBox 17">
             <a:extLst>
               <a:ext uri="{FF2B5EF4-FFF2-40B4-BE49-F238E27FC236}">
-                <a16:creationId xmlns:a16="http://schemas.microsoft.com/office/drawing/2014/main" xmlns="" id="{D8C9D23D-FC9E-416F-9E90-B807574671C7}"/>
+                <a16:creationId xmlns="" xmlns:a16="http://schemas.microsoft.com/office/drawing/2014/main" id="{D8C9D23D-FC9E-416F-9E90-B807574671C7}"/>
               </a:ext>
             </a:extLst>
           </p:cNvPr>
@@ -6324,7 +6315,7 @@
           <p:cNvPr id="24" name="직선 화살표 연결선 23">
             <a:extLst>
               <a:ext uri="{FF2B5EF4-FFF2-40B4-BE49-F238E27FC236}">
-                <a16:creationId xmlns:a16="http://schemas.microsoft.com/office/drawing/2014/main" xmlns="" id="{A9F6671C-299A-41C9-A319-68C4AE505707}"/>
+                <a16:creationId xmlns="" xmlns:a16="http://schemas.microsoft.com/office/drawing/2014/main" id="{A9F6671C-299A-41C9-A319-68C4AE505707}"/>
               </a:ext>
             </a:extLst>
           </p:cNvPr>
@@ -6363,7 +6354,7 @@
           <p:cNvPr id="25" name="직선 화살표 연결선 24">
             <a:extLst>
               <a:ext uri="{FF2B5EF4-FFF2-40B4-BE49-F238E27FC236}">
-                <a16:creationId xmlns:a16="http://schemas.microsoft.com/office/drawing/2014/main" xmlns="" id="{CF0DF38A-6CAE-4E1B-8933-01C7FFE6B648}"/>
+                <a16:creationId xmlns="" xmlns:a16="http://schemas.microsoft.com/office/drawing/2014/main" id="{CF0DF38A-6CAE-4E1B-8933-01C7FFE6B648}"/>
               </a:ext>
             </a:extLst>
           </p:cNvPr>
@@ -6402,7 +6393,7 @@
           <p:cNvPr id="26" name="TextBox 25">
             <a:extLst>
               <a:ext uri="{FF2B5EF4-FFF2-40B4-BE49-F238E27FC236}">
-                <a16:creationId xmlns:a16="http://schemas.microsoft.com/office/drawing/2014/main" xmlns="" id="{17409511-BB91-4C7B-9A03-CEFC4BA5462E}"/>
+                <a16:creationId xmlns="" xmlns:a16="http://schemas.microsoft.com/office/drawing/2014/main" id="{17409511-BB91-4C7B-9A03-CEFC4BA5462E}"/>
               </a:ext>
             </a:extLst>
           </p:cNvPr>
@@ -6509,7 +6500,7 @@
             <a:hlinkClick r:id="" action="ppaction://media"/>
             <a:extLst>
               <a:ext uri="{FF2B5EF4-FFF2-40B4-BE49-F238E27FC236}">
-                <a16:creationId xmlns:a16="http://schemas.microsoft.com/office/drawing/2014/main" xmlns="" id="{1874E715-7CFF-43D2-B0B9-2E0954DA5BC2}"/>
+                <a16:creationId xmlns="" xmlns:a16="http://schemas.microsoft.com/office/drawing/2014/main" id="{1874E715-7CFF-43D2-B0B9-2E0954DA5BC2}"/>
               </a:ext>
             </a:extLst>
           </p:cNvPr>
@@ -6520,7 +6511,7 @@
             <a:audioFile r:link="rId1"/>
             <p:extLst>
               <p:ext uri="{DAA4B4D4-6D71-4841-9C94-3DE7FCFB9230}">
-                <p14:media xmlns:p14="http://schemas.microsoft.com/office/powerpoint/2010/main" xmlns="" r:embed="rId5"/>
+                <p14:media xmlns="" xmlns:p14="http://schemas.microsoft.com/office/powerpoint/2010/main" r:embed="rId5"/>
               </p:ext>
             </p:extLst>
           </p:nvPr>
@@ -6967,16 +6958,7 @@
                 </a:solidFill>
                 <a:latin typeface="Franklin Gothic Medium" pitchFamily="34" charset="0"/>
               </a:rPr>
-              <a:t>3</a:t>
-            </a:r>
-            <a:r>
-              <a:rPr lang="en-US" altLang="ko-KR" sz="2000" dirty="0" smtClean="0">
-                <a:solidFill>
-                  <a:srgbClr val="87B429"/>
-                </a:solidFill>
-                <a:latin typeface="Franklin Gothic Medium" pitchFamily="34" charset="0"/>
-              </a:rPr>
-              <a:t>. </a:t>
+              <a:t>3. </a:t>
             </a:r>
             <a:r>
               <a:rPr lang="ko-KR" altLang="en-US" sz="2000" dirty="0" smtClean="0">
@@ -7022,7 +7004,7 @@
           <p:cNvPr id="14" name="Picture 2" descr="êµ¬ê¸ ë¡ê³ ì ëí ì´ë¯¸ì§ ê²ìê²°ê³¼">
             <a:extLst>
               <a:ext uri="{FF2B5EF4-FFF2-40B4-BE49-F238E27FC236}">
-                <a16:creationId xmlns:a16="http://schemas.microsoft.com/office/drawing/2014/main" xmlns="" id="{526605D0-C450-4C9B-B8A5-C37AD1F6A6CA}"/>
+                <a16:creationId xmlns="" xmlns:a16="http://schemas.microsoft.com/office/drawing/2014/main" id="{526605D0-C450-4C9B-B8A5-C37AD1F6A6CA}"/>
               </a:ext>
             </a:extLst>
           </p:cNvPr>
@@ -7035,7 +7017,7 @@
           <a:blip r:embed="rId4" cstate="print">
             <a:extLst>
               <a:ext uri="{28A0092B-C50C-407E-A947-70E740481C1C}">
-                <a14:useLocalDpi xmlns:a14="http://schemas.microsoft.com/office/drawing/2010/main" xmlns="" val="0"/>
+                <a14:useLocalDpi xmlns="" xmlns:a14="http://schemas.microsoft.com/office/drawing/2010/main" val="0"/>
               </a:ext>
             </a:extLst>
           </a:blip>
@@ -7055,7 +7037,7 @@
           <a:noFill/>
           <a:extLst>
             <a:ext uri="{909E8E84-426E-40DD-AFC4-6F175D3DCCD1}">
-              <a14:hiddenFill xmlns:a14="http://schemas.microsoft.com/office/drawing/2010/main" xmlns="">
+              <a14:hiddenFill xmlns="" xmlns:a14="http://schemas.microsoft.com/office/drawing/2010/main">
                 <a:solidFill>
                   <a:srgbClr val="FFFFFF"/>
                 </a:solidFill>
@@ -7413,16 +7395,7 @@
                 </a:solidFill>
                 <a:latin typeface="Franklin Gothic Medium" pitchFamily="34" charset="0"/>
               </a:rPr>
-              <a:t>3</a:t>
-            </a:r>
-            <a:r>
-              <a:rPr lang="en-US" altLang="ko-KR" sz="2000" dirty="0" smtClean="0">
-                <a:solidFill>
-                  <a:srgbClr val="87B429"/>
-                </a:solidFill>
-                <a:latin typeface="Franklin Gothic Medium" pitchFamily="34" charset="0"/>
-              </a:rPr>
-              <a:t>. </a:t>
+              <a:t>3. </a:t>
             </a:r>
             <a:r>
               <a:rPr lang="ko-KR" altLang="en-US" sz="2000" dirty="0" smtClean="0">
@@ -7468,7 +7441,7 @@
           <p:cNvPr id="14" name="TextBox 13">
             <a:extLst>
               <a:ext uri="{FF2B5EF4-FFF2-40B4-BE49-F238E27FC236}">
-                <a16:creationId xmlns:a16="http://schemas.microsoft.com/office/drawing/2014/main" xmlns="" id="{6AF11DF1-B7E7-47BE-87B4-33C5E4C1758A}"/>
+                <a16:creationId xmlns="" xmlns:a16="http://schemas.microsoft.com/office/drawing/2014/main" id="{6AF11DF1-B7E7-47BE-87B4-33C5E4C1758A}"/>
               </a:ext>
             </a:extLst>
           </p:cNvPr>
@@ -7910,16 +7883,7 @@
                 </a:solidFill>
                 <a:latin typeface="Franklin Gothic Medium" pitchFamily="34" charset="0"/>
               </a:rPr>
-              <a:t>3</a:t>
-            </a:r>
-            <a:r>
-              <a:rPr lang="en-US" altLang="ko-KR" sz="2000" dirty="0" smtClean="0">
-                <a:solidFill>
-                  <a:srgbClr val="87B429"/>
-                </a:solidFill>
-                <a:latin typeface="Franklin Gothic Medium" pitchFamily="34" charset="0"/>
-              </a:rPr>
-              <a:t>. </a:t>
+              <a:t>3. </a:t>
             </a:r>
             <a:r>
               <a:rPr lang="ko-KR" altLang="en-US" sz="2000" dirty="0" smtClean="0">
@@ -7965,7 +7929,7 @@
           <p:cNvPr id="14" name="TextBox 13">
             <a:extLst>
               <a:ext uri="{FF2B5EF4-FFF2-40B4-BE49-F238E27FC236}">
-                <a16:creationId xmlns:a16="http://schemas.microsoft.com/office/drawing/2014/main" xmlns="" id="{726BB2D3-F621-49D4-91A0-82DA87E989BF}"/>
+                <a16:creationId xmlns="" xmlns:a16="http://schemas.microsoft.com/office/drawing/2014/main" id="{726BB2D3-F621-49D4-91A0-82DA87E989BF}"/>
               </a:ext>
             </a:extLst>
           </p:cNvPr>
@@ -8095,7 +8059,7 @@
           <p:cNvPr id="15" name="직선 화살표 연결선 14">
             <a:extLst>
               <a:ext uri="{FF2B5EF4-FFF2-40B4-BE49-F238E27FC236}">
-                <a16:creationId xmlns:a16="http://schemas.microsoft.com/office/drawing/2014/main" xmlns="" id="{BCF67756-4EAD-468C-9852-1FEF44AA4493}"/>
+                <a16:creationId xmlns="" xmlns:a16="http://schemas.microsoft.com/office/drawing/2014/main" id="{BCF67756-4EAD-468C-9852-1FEF44AA4493}"/>
               </a:ext>
             </a:extLst>
           </p:cNvPr>
@@ -8135,7 +8099,7 @@
           <p:cNvPr id="17" name="직선 화살표 연결선 16">
             <a:extLst>
               <a:ext uri="{FF2B5EF4-FFF2-40B4-BE49-F238E27FC236}">
-                <a16:creationId xmlns:a16="http://schemas.microsoft.com/office/drawing/2014/main" xmlns="" id="{FDE7351B-E801-4164-B01D-EB11B4039D24}"/>
+                <a16:creationId xmlns="" xmlns:a16="http://schemas.microsoft.com/office/drawing/2014/main" id="{FDE7351B-E801-4164-B01D-EB11B4039D24}"/>
               </a:ext>
             </a:extLst>
           </p:cNvPr>
@@ -8174,7 +8138,7 @@
           <p:cNvPr id="18" name="TextBox 17">
             <a:extLst>
               <a:ext uri="{FF2B5EF4-FFF2-40B4-BE49-F238E27FC236}">
-                <a16:creationId xmlns:a16="http://schemas.microsoft.com/office/drawing/2014/main" xmlns="" id="{B0E9ED9A-75DB-4E21-8C36-44581299F2AE}"/>
+                <a16:creationId xmlns="" xmlns:a16="http://schemas.microsoft.com/office/drawing/2014/main" id="{B0E9ED9A-75DB-4E21-8C36-44581299F2AE}"/>
               </a:ext>
             </a:extLst>
           </p:cNvPr>
@@ -8676,7 +8640,7 @@
       </p:sp>
       <p:pic>
         <p:nvPicPr>
-          <p:cNvPr id="15" name="중간시연동영상.mp4">
+          <p:cNvPr id="16" name="중간시연동영상.mp4">
             <a:hlinkClick r:id="" action="ppaction://media"/>
           </p:cNvPr>
           <p:cNvPicPr>
@@ -8694,8 +8658,8 @@
         </p:blipFill>
         <p:spPr>
           <a:xfrm>
-            <a:off x="0" y="555526"/>
-            <a:ext cx="9144000" cy="4374486"/>
+            <a:off x="0" y="483518"/>
+            <a:ext cx="9144000" cy="4509120"/>
           </a:xfrm>
           <a:prstGeom prst="rect">
             <a:avLst/>
@@ -8717,7 +8681,7 @@
                 <p:stCondLst>
                   <p:cond evt="onClick" delay="0">
                     <p:tgtEl>
-                      <p:spTgt spid="15"/>
+                      <p:spTgt spid="16"/>
                     </p:tgtEl>
                   </p:cond>
                 </p:stCondLst>
@@ -8747,7 +8711,7 @@
                                       <p:cBhvr>
                                         <p:cTn id="6" dur="1" fill="hold"/>
                                         <p:tgtEl>
-                                          <p:spTgt spid="15"/>
+                                          <p:spTgt spid="16"/>
                                         </p:tgtEl>
                                       </p:cBhvr>
                                     </p:cmd>
@@ -8765,7 +8729,7 @@
               <p:nextCondLst>
                 <p:cond evt="onClick" delay="0">
                   <p:tgtEl>
-                    <p:spTgt spid="15"/>
+                    <p:spTgt spid="16"/>
                   </p:tgtEl>
                 </p:cond>
               </p:nextCondLst>
@@ -8790,7 +8754,7 @@
                   </p:endCondLst>
                 </p:cTn>
                 <p:tgtEl>
-                  <p:spTgt spid="15"/>
+                  <p:spTgt spid="16"/>
                 </p:tgtEl>
               </p:cMediaNode>
             </p:video>
@@ -11773,19 +11737,7 @@
                 </a:solidFill>
                 <a:latin typeface="Franklin Gothic Medium" pitchFamily="34" charset="0"/>
               </a:rPr>
-              <a:t>을 받을 수 있는 플랫폼 </a:t>
-            </a:r>
-            <a:r>
-              <a:rPr lang="ko-KR" altLang="en-US" sz="1200" dirty="0" smtClean="0">
-                <a:solidFill>
-                  <a:schemeClr val="tx1">
-                    <a:lumMod val="85000"/>
-                    <a:lumOff val="15000"/>
-                  </a:schemeClr>
-                </a:solidFill>
-                <a:latin typeface="Franklin Gothic Medium" pitchFamily="34" charset="0"/>
-              </a:rPr>
-              <a:t>서비스</a:t>
+              <a:t>을 받을 수 있는 플랫폼 서비스</a:t>
             </a:r>
             <a:endParaRPr lang="en-US" altLang="ko-KR" sz="1200" dirty="0" smtClean="0">
               <a:solidFill>
@@ -12601,7 +12553,7 @@
           <p:cNvPr id="13" name="TextBox 12">
             <a:extLst>
               <a:ext uri="{FF2B5EF4-FFF2-40B4-BE49-F238E27FC236}">
-                <a16:creationId xmlns:a16="http://schemas.microsoft.com/office/drawing/2014/main" xmlns="" id="{F2E70F34-829B-4C6C-A87F-4C3087CF2E4D}"/>
+                <a16:creationId xmlns="" xmlns:a16="http://schemas.microsoft.com/office/drawing/2014/main" id="{F2E70F34-829B-4C6C-A87F-4C3087CF2E4D}"/>
               </a:ext>
             </a:extLst>
           </p:cNvPr>
@@ -12654,7 +12606,7 @@
           <p:cNvPr id="9" name="직사각형 8">
             <a:extLst>
               <a:ext uri="{FF2B5EF4-FFF2-40B4-BE49-F238E27FC236}">
-                <a16:creationId xmlns:a16="http://schemas.microsoft.com/office/drawing/2014/main" xmlns="" id="{0A5EE4D8-E4DC-41D3-A893-364F866855CC}"/>
+                <a16:creationId xmlns="" xmlns:a16="http://schemas.microsoft.com/office/drawing/2014/main" id="{0A5EE4D8-E4DC-41D3-A893-364F866855CC}"/>
               </a:ext>
             </a:extLst>
           </p:cNvPr>
@@ -12710,7 +12662,7 @@
           <p:cNvPr id="11" name="그림 10">
             <a:extLst>
               <a:ext uri="{FF2B5EF4-FFF2-40B4-BE49-F238E27FC236}">
-                <a16:creationId xmlns:a16="http://schemas.microsoft.com/office/drawing/2014/main" xmlns="" id="{1BACA031-7387-44DA-B66C-87F5B4066472}"/>
+                <a16:creationId xmlns="" xmlns:a16="http://schemas.microsoft.com/office/drawing/2014/main" id="{1BACA031-7387-44DA-B66C-87F5B4066472}"/>
               </a:ext>
             </a:extLst>
           </p:cNvPr>
@@ -12723,7 +12675,7 @@
           <a:blip r:embed="rId4" cstate="print">
             <a:extLst>
               <a:ext uri="{28A0092B-C50C-407E-A947-70E740481C1C}">
-                <a14:useLocalDpi xmlns:a14="http://schemas.microsoft.com/office/drawing/2010/main" xmlns="" val="0"/>
+                <a14:useLocalDpi xmlns="" xmlns:a14="http://schemas.microsoft.com/office/drawing/2010/main" val="0"/>
               </a:ext>
             </a:extLst>
           </a:blip>
@@ -12746,7 +12698,7 @@
           <p:cNvPr id="31" name="그림 30">
             <a:extLst>
               <a:ext uri="{FF2B5EF4-FFF2-40B4-BE49-F238E27FC236}">
-                <a16:creationId xmlns:a16="http://schemas.microsoft.com/office/drawing/2014/main" xmlns="" id="{4975C084-5A41-4A53-B2E5-5642BE9B84A1}"/>
+                <a16:creationId xmlns="" xmlns:a16="http://schemas.microsoft.com/office/drawing/2014/main" id="{4975C084-5A41-4A53-B2E5-5642BE9B84A1}"/>
               </a:ext>
             </a:extLst>
           </p:cNvPr>
@@ -12759,7 +12711,7 @@
           <a:blip r:embed="rId5" cstate="print">
             <a:extLst>
               <a:ext uri="{28A0092B-C50C-407E-A947-70E740481C1C}">
-                <a14:useLocalDpi xmlns:a14="http://schemas.microsoft.com/office/drawing/2010/main" xmlns="" val="0"/>
+                <a14:useLocalDpi xmlns="" xmlns:a14="http://schemas.microsoft.com/office/drawing/2010/main" val="0"/>
               </a:ext>
             </a:extLst>
           </a:blip>
@@ -12782,7 +12734,7 @@
           <p:cNvPr id="34" name="그림 33">
             <a:extLst>
               <a:ext uri="{FF2B5EF4-FFF2-40B4-BE49-F238E27FC236}">
-                <a16:creationId xmlns:a16="http://schemas.microsoft.com/office/drawing/2014/main" xmlns="" id="{2C61AD89-12C3-4853-9012-09581D8835BC}"/>
+                <a16:creationId xmlns="" xmlns:a16="http://schemas.microsoft.com/office/drawing/2014/main" id="{2C61AD89-12C3-4853-9012-09581D8835BC}"/>
               </a:ext>
             </a:extLst>
           </p:cNvPr>
@@ -12795,7 +12747,7 @@
           <a:blip r:embed="rId5" cstate="print">
             <a:extLst>
               <a:ext uri="{28A0092B-C50C-407E-A947-70E740481C1C}">
-                <a14:useLocalDpi xmlns:a14="http://schemas.microsoft.com/office/drawing/2010/main" xmlns="" val="0"/>
+                <a14:useLocalDpi xmlns="" xmlns:a14="http://schemas.microsoft.com/office/drawing/2010/main" val="0"/>
               </a:ext>
             </a:extLst>
           </a:blip>
@@ -12818,7 +12770,7 @@
           <p:cNvPr id="37" name="그림 36">
             <a:extLst>
               <a:ext uri="{FF2B5EF4-FFF2-40B4-BE49-F238E27FC236}">
-                <a16:creationId xmlns:a16="http://schemas.microsoft.com/office/drawing/2014/main" xmlns="" id="{6850CD18-8AE1-410F-9F62-A6D6023B7585}"/>
+                <a16:creationId xmlns="" xmlns:a16="http://schemas.microsoft.com/office/drawing/2014/main" id="{6850CD18-8AE1-410F-9F62-A6D6023B7585}"/>
               </a:ext>
             </a:extLst>
           </p:cNvPr>
@@ -12831,7 +12783,7 @@
           <a:blip r:embed="rId6" cstate="print">
             <a:extLst>
               <a:ext uri="{28A0092B-C50C-407E-A947-70E740481C1C}">
-                <a14:useLocalDpi xmlns:a14="http://schemas.microsoft.com/office/drawing/2010/main" xmlns="" val="0"/>
+                <a14:useLocalDpi xmlns="" xmlns:a14="http://schemas.microsoft.com/office/drawing/2010/main" val="0"/>
               </a:ext>
             </a:extLst>
           </a:blip>
@@ -12854,7 +12806,7 @@
           <p:cNvPr id="39" name="그림 38">
             <a:extLst>
               <a:ext uri="{FF2B5EF4-FFF2-40B4-BE49-F238E27FC236}">
-                <a16:creationId xmlns:a16="http://schemas.microsoft.com/office/drawing/2014/main" xmlns="" id="{2B1C1939-F3E4-47B8-9C34-451450AAAAFC}"/>
+                <a16:creationId xmlns="" xmlns:a16="http://schemas.microsoft.com/office/drawing/2014/main" id="{2B1C1939-F3E4-47B8-9C34-451450AAAAFC}"/>
               </a:ext>
             </a:extLst>
           </p:cNvPr>
@@ -12867,7 +12819,7 @@
           <a:blip r:embed="rId7" cstate="print">
             <a:extLst>
               <a:ext uri="{28A0092B-C50C-407E-A947-70E740481C1C}">
-                <a14:useLocalDpi xmlns:a14="http://schemas.microsoft.com/office/drawing/2010/main" xmlns="" val="0"/>
+                <a14:useLocalDpi xmlns="" xmlns:a14="http://schemas.microsoft.com/office/drawing/2010/main" val="0"/>
               </a:ext>
             </a:extLst>
           </a:blip>
@@ -12890,7 +12842,7 @@
           <p:cNvPr id="41" name="그림 40">
             <a:extLst>
               <a:ext uri="{FF2B5EF4-FFF2-40B4-BE49-F238E27FC236}">
-                <a16:creationId xmlns:a16="http://schemas.microsoft.com/office/drawing/2014/main" xmlns="" id="{D0C9DA57-0A3B-4921-961C-E836B3CB9409}"/>
+                <a16:creationId xmlns="" xmlns:a16="http://schemas.microsoft.com/office/drawing/2014/main" id="{D0C9DA57-0A3B-4921-961C-E836B3CB9409}"/>
               </a:ext>
             </a:extLst>
           </p:cNvPr>
@@ -12903,7 +12855,7 @@
           <a:blip r:embed="rId8" cstate="print">
             <a:extLst>
               <a:ext uri="{28A0092B-C50C-407E-A947-70E740481C1C}">
-                <a14:useLocalDpi xmlns:a14="http://schemas.microsoft.com/office/drawing/2010/main" xmlns="" val="0"/>
+                <a14:useLocalDpi xmlns="" xmlns:a14="http://schemas.microsoft.com/office/drawing/2010/main" val="0"/>
               </a:ext>
             </a:extLst>
           </a:blip>
@@ -12926,7 +12878,7 @@
           <p:cNvPr id="43" name="그림 42">
             <a:extLst>
               <a:ext uri="{FF2B5EF4-FFF2-40B4-BE49-F238E27FC236}">
-                <a16:creationId xmlns:a16="http://schemas.microsoft.com/office/drawing/2014/main" xmlns="" id="{2AE6C1FE-77FC-4569-A33D-9D490B9BD11F}"/>
+                <a16:creationId xmlns="" xmlns:a16="http://schemas.microsoft.com/office/drawing/2014/main" id="{2AE6C1FE-77FC-4569-A33D-9D490B9BD11F}"/>
               </a:ext>
             </a:extLst>
           </p:cNvPr>
@@ -12939,7 +12891,7 @@
           <a:blip r:embed="rId9" cstate="print">
             <a:extLst>
               <a:ext uri="{28A0092B-C50C-407E-A947-70E740481C1C}">
-                <a14:useLocalDpi xmlns:a14="http://schemas.microsoft.com/office/drawing/2010/main" xmlns="" val="0"/>
+                <a14:useLocalDpi xmlns="" xmlns:a14="http://schemas.microsoft.com/office/drawing/2010/main" val="0"/>
               </a:ext>
             </a:extLst>
           </a:blip>
@@ -12962,7 +12914,7 @@
           <p:cNvPr id="21" name="그림 20">
             <a:extLst>
               <a:ext uri="{FF2B5EF4-FFF2-40B4-BE49-F238E27FC236}">
-                <a16:creationId xmlns:a16="http://schemas.microsoft.com/office/drawing/2014/main" xmlns="" id="{C8FE5326-2462-4CE9-9CCA-C8FD85696B9E}"/>
+                <a16:creationId xmlns="" xmlns:a16="http://schemas.microsoft.com/office/drawing/2014/main" id="{C8FE5326-2462-4CE9-9CCA-C8FD85696B9E}"/>
               </a:ext>
             </a:extLst>
           </p:cNvPr>
@@ -12975,7 +12927,7 @@
           <a:blip r:embed="rId10" cstate="print">
             <a:extLst>
               <a:ext uri="{28A0092B-C50C-407E-A947-70E740481C1C}">
-                <a14:useLocalDpi xmlns:a14="http://schemas.microsoft.com/office/drawing/2010/main" xmlns="" val="0"/>
+                <a14:useLocalDpi xmlns="" xmlns:a14="http://schemas.microsoft.com/office/drawing/2010/main" val="0"/>
               </a:ext>
             </a:extLst>
           </a:blip>
@@ -12998,7 +12950,7 @@
           <p:cNvPr id="22" name="그림 21">
             <a:extLst>
               <a:ext uri="{FF2B5EF4-FFF2-40B4-BE49-F238E27FC236}">
-                <a16:creationId xmlns:a16="http://schemas.microsoft.com/office/drawing/2014/main" xmlns="" id="{1A76E360-AE46-4305-9C2D-6A8E02DAE503}"/>
+                <a16:creationId xmlns="" xmlns:a16="http://schemas.microsoft.com/office/drawing/2014/main" id="{1A76E360-AE46-4305-9C2D-6A8E02DAE503}"/>
               </a:ext>
             </a:extLst>
           </p:cNvPr>
@@ -13011,7 +12963,7 @@
           <a:blip r:embed="rId9" cstate="print">
             <a:extLst>
               <a:ext uri="{28A0092B-C50C-407E-A947-70E740481C1C}">
-                <a14:useLocalDpi xmlns:a14="http://schemas.microsoft.com/office/drawing/2010/main" xmlns="" val="0"/>
+                <a14:useLocalDpi xmlns="" xmlns:a14="http://schemas.microsoft.com/office/drawing/2010/main" val="0"/>
               </a:ext>
             </a:extLst>
           </a:blip>
@@ -13034,7 +12986,7 @@
           <p:cNvPr id="23" name="그림 22">
             <a:extLst>
               <a:ext uri="{FF2B5EF4-FFF2-40B4-BE49-F238E27FC236}">
-                <a16:creationId xmlns:a16="http://schemas.microsoft.com/office/drawing/2014/main" xmlns="" id="{95FDF0B7-0EF9-4973-922F-736E9094EEAF}"/>
+                <a16:creationId xmlns="" xmlns:a16="http://schemas.microsoft.com/office/drawing/2014/main" id="{95FDF0B7-0EF9-4973-922F-736E9094EEAF}"/>
               </a:ext>
             </a:extLst>
           </p:cNvPr>
@@ -13047,7 +12999,7 @@
           <a:blip r:embed="rId10" cstate="print">
             <a:extLst>
               <a:ext uri="{28A0092B-C50C-407E-A947-70E740481C1C}">
-                <a14:useLocalDpi xmlns:a14="http://schemas.microsoft.com/office/drawing/2010/main" xmlns="" val="0"/>
+                <a14:useLocalDpi xmlns="" xmlns:a14="http://schemas.microsoft.com/office/drawing/2010/main" val="0"/>
               </a:ext>
             </a:extLst>
           </a:blip>
@@ -13068,7 +13020,7 @@
     </p:spTree>
     <p:extLst>
       <p:ext uri="{BB962C8B-B14F-4D97-AF65-F5344CB8AC3E}">
-        <p14:creationId xmlns:p14="http://schemas.microsoft.com/office/powerpoint/2010/main" xmlns="" val="4277725196"/>
+        <p14:creationId xmlns="" xmlns:p14="http://schemas.microsoft.com/office/powerpoint/2010/main" val="4277725196"/>
       </p:ext>
     </p:extLst>
   </p:cSld>
@@ -15473,7 +15425,7 @@
           <p:cNvPr id="18" name="그림 17">
             <a:extLst>
               <a:ext uri="{FF2B5EF4-FFF2-40B4-BE49-F238E27FC236}">
-                <a16:creationId xmlns="" xmlns:a16="http://schemas.microsoft.com/office/drawing/2014/main" id="{A3D9E798-6611-460B-A03B-CA0C8C50C77D}"/>
+                <a16:creationId xmlns:a16="http://schemas.microsoft.com/office/drawing/2014/main" xmlns="" id="{A3D9E798-6611-460B-A03B-CA0C8C50C77D}"/>
               </a:ext>
             </a:extLst>
           </p:cNvPr>
@@ -15486,7 +15438,7 @@
           <a:blip r:embed="rId5" cstate="print">
             <a:extLst>
               <a:ext uri="{28A0092B-C50C-407E-A947-70E740481C1C}">
-                <a14:useLocalDpi xmlns="" xmlns:a14="http://schemas.microsoft.com/office/drawing/2010/main" val="0"/>
+                <a14:useLocalDpi xmlns:a14="http://schemas.microsoft.com/office/drawing/2010/main" xmlns="" val="0"/>
               </a:ext>
             </a:extLst>
           </a:blip>
@@ -15509,7 +15461,7 @@
           <p:cNvPr id="20" name="그림 19">
             <a:extLst>
               <a:ext uri="{FF2B5EF4-FFF2-40B4-BE49-F238E27FC236}">
-                <a16:creationId xmlns="" xmlns:a16="http://schemas.microsoft.com/office/drawing/2014/main" id="{B947E1D4-E394-4740-A7B9-7905F0660907}"/>
+                <a16:creationId xmlns:a16="http://schemas.microsoft.com/office/drawing/2014/main" xmlns="" id="{B947E1D4-E394-4740-A7B9-7905F0660907}"/>
               </a:ext>
             </a:extLst>
           </p:cNvPr>
@@ -15522,7 +15474,7 @@
           <a:blip r:embed="rId6" cstate="print">
             <a:extLst>
               <a:ext uri="{28A0092B-C50C-407E-A947-70E740481C1C}">
-                <a14:useLocalDpi xmlns="" xmlns:a14="http://schemas.microsoft.com/office/drawing/2010/main" val="0"/>
+                <a14:useLocalDpi xmlns:a14="http://schemas.microsoft.com/office/drawing/2010/main" xmlns="" val="0"/>
               </a:ext>
             </a:extLst>
           </a:blip>
@@ -15545,7 +15497,7 @@
           <p:cNvPr id="24" name="TextBox 23">
             <a:extLst>
               <a:ext uri="{FF2B5EF4-FFF2-40B4-BE49-F238E27FC236}">
-                <a16:creationId xmlns="" xmlns:a16="http://schemas.microsoft.com/office/drawing/2014/main" id="{86008A9D-A75C-4573-A780-B306E07C53A8}"/>
+                <a16:creationId xmlns:a16="http://schemas.microsoft.com/office/drawing/2014/main" xmlns="" id="{86008A9D-A75C-4573-A780-B306E07C53A8}"/>
               </a:ext>
             </a:extLst>
           </p:cNvPr>
@@ -16102,7 +16054,7 @@
           <p:cNvPr id="18" name="그림 17">
             <a:extLst>
               <a:ext uri="{FF2B5EF4-FFF2-40B4-BE49-F238E27FC236}">
-                <a16:creationId xmlns="" xmlns:a16="http://schemas.microsoft.com/office/drawing/2014/main" id="{8D7751C0-CAEA-49AD-9866-DB424B831027}"/>
+                <a16:creationId xmlns:a16="http://schemas.microsoft.com/office/drawing/2014/main" xmlns="" id="{8D7751C0-CAEA-49AD-9866-DB424B831027}"/>
               </a:ext>
             </a:extLst>
           </p:cNvPr>
@@ -16115,7 +16067,7 @@
           <a:blip r:embed="rId5" cstate="print">
             <a:extLst>
               <a:ext uri="{28A0092B-C50C-407E-A947-70E740481C1C}">
-                <a14:useLocalDpi xmlns="" xmlns:a14="http://schemas.microsoft.com/office/drawing/2010/main" val="0"/>
+                <a14:useLocalDpi xmlns:a14="http://schemas.microsoft.com/office/drawing/2010/main" xmlns="" val="0"/>
               </a:ext>
             </a:extLst>
           </a:blip>
@@ -16138,7 +16090,7 @@
           <p:cNvPr id="20" name="TextBox 19">
             <a:extLst>
               <a:ext uri="{FF2B5EF4-FFF2-40B4-BE49-F238E27FC236}">
-                <a16:creationId xmlns="" xmlns:a16="http://schemas.microsoft.com/office/drawing/2014/main" id="{6D1275B9-651A-45AC-AAF3-48431CD83A19}"/>
+                <a16:creationId xmlns:a16="http://schemas.microsoft.com/office/drawing/2014/main" xmlns="" id="{6D1275B9-651A-45AC-AAF3-48431CD83A19}"/>
               </a:ext>
             </a:extLst>
           </p:cNvPr>
